--- a/docs/RenderingDenoising_PascalCornu.pptx
+++ b/docs/RenderingDenoising_PascalCornu.pptx
@@ -238,7 +238,7 @@
           <a:p>
             <a:fld id="{DA60C4B0-B1B2-4D09-8D6F-63388708EB00}" type="datetimeFigureOut">
               <a:rPr lang="de-CH" smtClean="0"/>
-              <a:t>25.05.2025</a:t>
+              <a:t>26.05.2025</a:t>
             </a:fld>
             <a:endParaRPr lang="de-CH"/>
           </a:p>
@@ -1976,7 +1976,7 @@
         <p:spPr>
           <a:xfrm>
             <a:off x="898776" y="896767"/>
-            <a:ext cx="8845847" cy="17235488"/>
+            <a:ext cx="8845847" cy="16743045"/>
           </a:xfrm>
           <a:prstGeom prst="rect">
             <a:avLst/>
@@ -2033,7 +2033,7 @@
               <a:rPr lang="de-DE" altLang="de-DE" sz="3200" dirty="0">
                 <a:latin typeface="Lucida Sans" pitchFamily="34" charset="0"/>
               </a:rPr>
-              <a:t>Path Tracing ist eine physikalisch genaue Rendering-Technik, um das Verhalten von Licht zu simulieren. Für jeden Pixel werden Lichtpfade mit ihren Abprallern verfolgt. Diese Methode ist jedoch rechenintensiv und anfällig für Rauschen. Eine Erhöhung der Anzahl der Abtastwerte pro Pixel kann das Rauschen zwar verringern, doch ist dieser Ansatz aufgrund der ansteigenden Rendering-Zeit oft nicht praktikabel.</a:t>
+              <a:t>Path Tracing ist eine physikalisch genaue Rendering-Technik, um das Verhalten von Licht zu simulieren. Für jeden Pixel werden Lichtpfade mit ihren Abprallern verfolgt. Diese Methode ist jedoch rechenintensiv und anfällig für Rauschen. Eine Erhöhung der Anzahl der Abtastwerte pro Pixel kann das Rauschen zwar verringern, jedoch ist dieser Ansatz aufgrund der ansteigenden Rendering-Zeit oft nicht praktikabel.</a:t>
             </a:r>
           </a:p>
           <a:p>
@@ -2216,7 +2216,19 @@
               <a:rPr lang="de-DE" altLang="de-DE" sz="3200" dirty="0">
                 <a:latin typeface="Lucida Sans" pitchFamily="34" charset="0"/>
               </a:rPr>
-              <a:t> entwickelt, welche qualitativ hochwertige Bilder mit deutlich weniger Stichproben erzeugen. Sie nutzen statistische, analytische und auf maschinellem Lernen basierende Methoden, um ein sauberes Bild aus einem verrauschten Eingangssignal zu rekonstruieren. </a:t>
+              <a:t> entwickelt, welche qualitativ hochwertige Bilder mit deutlich weniger Stichproben erzeugen. Sie nutzen statistische, analytische und auf </a:t>
+            </a:r>
+            <a:r>
+              <a:rPr lang="de-DE" altLang="de-DE" sz="3200" dirty="0" err="1">
+                <a:latin typeface="Lucida Sans" pitchFamily="34" charset="0"/>
+              </a:rPr>
+              <a:t>maschi-nellem</a:t>
+            </a:r>
+            <a:r>
+              <a:rPr lang="de-DE" altLang="de-DE" sz="3200" dirty="0">
+                <a:latin typeface="Lucida Sans" pitchFamily="34" charset="0"/>
+              </a:rPr>
+              <a:t> Lernen basierende Methoden, um ein sauberes Bild aus einem verrauschten Eingangssignal zu rekonstruieren. </a:t>
             </a:r>
             <a:endParaRPr lang="de-CH" altLang="de-DE" sz="3200" dirty="0">
               <a:latin typeface="Lucida Sans" pitchFamily="34" charset="0"/>
@@ -2233,7 +2245,7 @@
         <p:spPr>
           <a:xfrm>
             <a:off x="20356484" y="875399"/>
-            <a:ext cx="8845847" cy="17020044"/>
+            <a:ext cx="8845847" cy="15234940"/>
           </a:xfrm>
           <a:prstGeom prst="rect">
             <a:avLst/>
@@ -2260,7 +2272,7 @@
                 </a:solidFill>
                 <a:latin typeface="+mj-lt"/>
               </a:rPr>
-              <a:t>Ergebnisse</a:t>
+              <a:t>Ergebnisse - Modell</a:t>
             </a:r>
           </a:p>
           <a:p>
@@ -2409,54 +2421,6 @@
               <a:buSzPct val="80000"/>
               <a:defRPr/>
             </a:pPr>
-            <a:endParaRPr lang="de-DE" altLang="de-DE" sz="3200" dirty="0">
-              <a:latin typeface="Lucida Sans" pitchFamily="34" charset="0"/>
-            </a:endParaRPr>
-          </a:p>
-          <a:p>
-            <a:pPr algn="just">
-              <a:buClr>
-                <a:srgbClr val="FAA500"/>
-              </a:buClr>
-              <a:buSzPct val="80000"/>
-              <a:defRPr/>
-            </a:pPr>
-            <a:endParaRPr lang="de-DE" altLang="de-DE" sz="3200" dirty="0">
-              <a:latin typeface="Lucida Sans" pitchFamily="34" charset="0"/>
-            </a:endParaRPr>
-          </a:p>
-          <a:p>
-            <a:pPr algn="just">
-              <a:buClr>
-                <a:srgbClr val="FAA500"/>
-              </a:buClr>
-              <a:buSzPct val="80000"/>
-              <a:defRPr/>
-            </a:pPr>
-            <a:endParaRPr lang="de-DE" altLang="de-DE" sz="3200" dirty="0">
-              <a:latin typeface="Lucida Sans" pitchFamily="34" charset="0"/>
-            </a:endParaRPr>
-          </a:p>
-          <a:p>
-            <a:pPr algn="just">
-              <a:buClr>
-                <a:srgbClr val="FAA500"/>
-              </a:buClr>
-              <a:buSzPct val="80000"/>
-              <a:defRPr/>
-            </a:pPr>
-            <a:endParaRPr lang="de-DE" altLang="de-DE" sz="3200" dirty="0">
-              <a:latin typeface="Lucida Sans" pitchFamily="34" charset="0"/>
-            </a:endParaRPr>
-          </a:p>
-          <a:p>
-            <a:pPr algn="just">
-              <a:buClr>
-                <a:srgbClr val="FAA500"/>
-              </a:buClr>
-              <a:buSzPct val="80000"/>
-              <a:defRPr/>
-            </a:pPr>
             <a:endParaRPr lang="de-DE" altLang="de-DE" sz="4400" dirty="0">
               <a:latin typeface="Lucida Sans" pitchFamily="34" charset="0"/>
             </a:endParaRPr>
@@ -2473,7 +2437,7 @@
               <a:rPr lang="de-DE" altLang="de-DE" sz="3200" dirty="0">
                 <a:latin typeface="Lucida Sans" pitchFamily="34" charset="0"/>
               </a:rPr>
-              <a:t>Es schnitt insgesamt gut ab und verbesserte die Bildqualität in den meisten Fällen erheblich.</a:t>
+              <a:t>Das trainierte Modell schnitt insgesamt gut ab und verbesserte die Bildqualität in den meisten Fällen erheblich.</a:t>
             </a:r>
           </a:p>
           <a:p>
@@ -2586,7 +2550,7 @@
               <a:rPr lang="de-CH" altLang="de-DE" sz="3200" dirty="0">
                 <a:latin typeface="Lucida Sans" pitchFamily="34" charset="0"/>
               </a:rPr>
-              <a:t>Das Ziel dieser Bachelor Thesis war es, </a:t>
+              <a:t>Das Ziel dieser Bachelorthesis war es, </a:t>
             </a:r>
             <a:r>
               <a:rPr lang="de-DE" altLang="de-DE" sz="3200" dirty="0">
@@ -2622,7 +2586,7 @@
                 </a:solidFill>
                 <a:latin typeface="+mj-lt"/>
               </a:rPr>
-              <a:t>Ergebnisse</a:t>
+              <a:t>Ergebnisse - Datensatz</a:t>
             </a:r>
           </a:p>
           <a:p>
@@ -2699,12 +2663,148 @@
           </a:prstGeom>
         </p:spPr>
       </p:pic>
+      <p:sp>
+        <p:nvSpPr>
+          <p:cNvPr id="4" name="Textfeld 4">
+            <a:extLst>
+              <a:ext uri="{FF2B5EF4-FFF2-40B4-BE49-F238E27FC236}">
+                <a16:creationId xmlns:a16="http://schemas.microsoft.com/office/drawing/2014/main" id="{F53BBD5B-0FD5-850B-B23D-E6A2A90A9BA2}"/>
+              </a:ext>
+            </a:extLst>
+          </p:cNvPr>
+          <p:cNvSpPr txBox="1"/>
+          <p:nvPr/>
+        </p:nvSpPr>
+        <p:spPr>
+          <a:xfrm>
+            <a:off x="6690409" y="8544567"/>
+            <a:ext cx="3180955" cy="4016484"/>
+          </a:xfrm>
+          <a:prstGeom prst="rect">
+            <a:avLst/>
+          </a:prstGeom>
+          <a:noFill/>
+        </p:spPr>
+        <p:txBody>
+          <a:bodyPr wrap="square" rtlCol="0">
+            <a:spAutoFit/>
+          </a:bodyPr>
+          <a:lstStyle/>
+          <a:p>
+            <a:pPr defTabSz="912813">
+              <a:spcBef>
+                <a:spcPct val="50000"/>
+              </a:spcBef>
+            </a:pPr>
+            <a:r>
+              <a:rPr lang="de-DE" sz="3000" i="1" dirty="0"/>
+              <a:t>Simulation vom physikalischn Verhalten von Licht, wie Reflexion und Brechung.</a:t>
+            </a:r>
+          </a:p>
+          <a:p>
+            <a:pPr defTabSz="912813">
+              <a:spcBef>
+                <a:spcPct val="50000"/>
+              </a:spcBef>
+            </a:pPr>
+            <a:endParaRPr lang="de-DE" sz="1800" i="1" dirty="0"/>
+          </a:p>
+          <a:p>
+            <a:pPr defTabSz="912813">
+              <a:spcBef>
+                <a:spcPct val="50000"/>
+              </a:spcBef>
+            </a:pPr>
+            <a:r>
+              <a:rPr lang="de-DE" sz="3000" i="1" dirty="0"/>
+              <a:t>Quelle:</a:t>
+            </a:r>
+            <a:br>
+              <a:rPr lang="de-DE" sz="3000" i="1" dirty="0"/>
+            </a:br>
+            <a:r>
+              <a:rPr lang="de-DE" sz="3000" i="1" dirty="0"/>
+              <a:t>GSN Composer</a:t>
+            </a:r>
+          </a:p>
+        </p:txBody>
+      </p:sp>
+      <p:sp>
+        <p:nvSpPr>
+          <p:cNvPr id="12" name="Textfeld 4">
+            <a:extLst>
+              <a:ext uri="{FF2B5EF4-FFF2-40B4-BE49-F238E27FC236}">
+                <a16:creationId xmlns:a16="http://schemas.microsoft.com/office/drawing/2014/main" id="{863A1611-C0C4-97E2-9B6E-CD84E72D382D}"/>
+              </a:ext>
+            </a:extLst>
+          </p:cNvPr>
+          <p:cNvSpPr txBox="1"/>
+          <p:nvPr/>
+        </p:nvSpPr>
+        <p:spPr>
+          <a:xfrm>
+            <a:off x="21466636" y="10548071"/>
+            <a:ext cx="6625541" cy="1015663"/>
+          </a:xfrm>
+          <a:prstGeom prst="rect">
+            <a:avLst/>
+          </a:prstGeom>
+          <a:noFill/>
+        </p:spPr>
+        <p:txBody>
+          <a:bodyPr wrap="square" rtlCol="0">
+            <a:spAutoFit/>
+          </a:bodyPr>
+          <a:lstStyle/>
+          <a:p>
+            <a:pPr defTabSz="912813">
+              <a:spcBef>
+                <a:spcPct val="50000"/>
+              </a:spcBef>
+            </a:pPr>
+            <a:r>
+              <a:rPr lang="de-CH" sz="3000" i="1" dirty="0"/>
+              <a:t>Von Links nach Rechts: Input, Modell-Output, Idealer Output</a:t>
+            </a:r>
+          </a:p>
+        </p:txBody>
+      </p:sp>
       <p:pic>
         <p:nvPicPr>
-          <p:cNvPr id="1026" name="Picture 2" descr="Vulkan Ray Tracing Pipeline - Bildsynthese - Teil 2 - Kapitel 1">
+          <p:cNvPr id="20" name="Grafik 19">
             <a:extLst>
               <a:ext uri="{FF2B5EF4-FFF2-40B4-BE49-F238E27FC236}">
-                <a16:creationId xmlns:a16="http://schemas.microsoft.com/office/drawing/2014/main" id="{1D6F2AAE-458E-FE6A-163F-214FD56893E0}"/>
+                <a16:creationId xmlns:a16="http://schemas.microsoft.com/office/drawing/2014/main" id="{4B67E17B-92DC-A956-AA23-1E846CFD4B8D}"/>
+              </a:ext>
+            </a:extLst>
+          </p:cNvPr>
+          <p:cNvPicPr>
+            <a:picLocks noChangeAspect="1"/>
+          </p:cNvPicPr>
+          <p:nvPr/>
+        </p:nvPicPr>
+        <p:blipFill>
+          <a:blip r:embed="rId4"/>
+          <a:stretch>
+            <a:fillRect/>
+          </a:stretch>
+        </p:blipFill>
+        <p:spPr>
+          <a:xfrm>
+            <a:off x="20356483" y="7382695"/>
+            <a:ext cx="8845847" cy="2948616"/>
+          </a:xfrm>
+          <a:prstGeom prst="rect">
+            <a:avLst/>
+          </a:prstGeom>
+        </p:spPr>
+      </p:pic>
+      <p:pic>
+        <p:nvPicPr>
+          <p:cNvPr id="8" name="Picture 2" descr="Vulkan Ray Tracing Pipeline - Bildsynthese - Teil 2 - Kapitel 1">
+            <a:extLst>
+              <a:ext uri="{FF2B5EF4-FFF2-40B4-BE49-F238E27FC236}">
+                <a16:creationId xmlns:a16="http://schemas.microsoft.com/office/drawing/2014/main" id="{404D48DD-59CB-78BF-3B0E-77AB437CDC41}"/>
               </a:ext>
             </a:extLst>
           </p:cNvPr>
@@ -2714,7 +2814,7 @@
           <p:nvPr/>
         </p:nvPicPr>
         <p:blipFill>
-          <a:blip r:embed="rId4">
+          <a:blip r:embed="rId5">
             <a:extLst>
               <a:ext uri="{28A0092B-C50C-407E-A947-70E740481C1C}">
                 <a14:useLocalDpi xmlns:a14="http://schemas.microsoft.com/office/drawing/2010/main" val="0"/>
@@ -2744,147 +2844,6 @@
               </a14:hiddenFill>
             </a:ext>
           </a:extLst>
-        </p:spPr>
-      </p:pic>
-      <p:sp>
-        <p:nvSpPr>
-          <p:cNvPr id="4" name="Textfeld 4">
-            <a:extLst>
-              <a:ext uri="{FF2B5EF4-FFF2-40B4-BE49-F238E27FC236}">
-                <a16:creationId xmlns:a16="http://schemas.microsoft.com/office/drawing/2014/main" id="{F53BBD5B-0FD5-850B-B23D-E6A2A90A9BA2}"/>
-              </a:ext>
-            </a:extLst>
-          </p:cNvPr>
-          <p:cNvSpPr txBox="1"/>
-          <p:nvPr/>
-        </p:nvSpPr>
-        <p:spPr>
-          <a:xfrm>
-            <a:off x="6766609" y="8544567"/>
-            <a:ext cx="3180955" cy="2400657"/>
-          </a:xfrm>
-          <a:prstGeom prst="rect">
-            <a:avLst/>
-          </a:prstGeom>
-          <a:noFill/>
-        </p:spPr>
-        <p:txBody>
-          <a:bodyPr wrap="square" rtlCol="0">
-            <a:spAutoFit/>
-          </a:bodyPr>
-          <a:lstStyle/>
-          <a:p>
-            <a:pPr defTabSz="912813">
-              <a:spcBef>
-                <a:spcPct val="50000"/>
-              </a:spcBef>
-            </a:pPr>
-            <a:r>
-              <a:rPr lang="de-DE" sz="3000" i="1" dirty="0"/>
-              <a:t>Simulation vom physikalischn Verhalten von Licht, wie Reflexion und Brechung.</a:t>
-            </a:r>
-            <a:endParaRPr lang="de-CH" sz="3000" i="1" dirty="0"/>
-          </a:p>
-        </p:txBody>
-      </p:sp>
-      <p:sp>
-        <p:nvSpPr>
-          <p:cNvPr id="12" name="Textfeld 4">
-            <a:extLst>
-              <a:ext uri="{FF2B5EF4-FFF2-40B4-BE49-F238E27FC236}">
-                <a16:creationId xmlns:a16="http://schemas.microsoft.com/office/drawing/2014/main" id="{863A1611-C0C4-97E2-9B6E-CD84E72D382D}"/>
-              </a:ext>
-            </a:extLst>
-          </p:cNvPr>
-          <p:cNvSpPr txBox="1"/>
-          <p:nvPr/>
-        </p:nvSpPr>
-        <p:spPr>
-          <a:xfrm>
-            <a:off x="21466636" y="10357571"/>
-            <a:ext cx="6625541" cy="3323987"/>
-          </a:xfrm>
-          <a:prstGeom prst="rect">
-            <a:avLst/>
-          </a:prstGeom>
-          <a:noFill/>
-        </p:spPr>
-        <p:txBody>
-          <a:bodyPr wrap="square" rtlCol="0">
-            <a:spAutoFit/>
-          </a:bodyPr>
-          <a:lstStyle/>
-          <a:p>
-            <a:pPr defTabSz="912813">
-              <a:spcBef>
-                <a:spcPct val="50000"/>
-              </a:spcBef>
-            </a:pPr>
-            <a:r>
-              <a:rPr lang="de-DE" sz="3000" i="1" dirty="0"/>
-              <a:t>Links ist das Verrauschte Bild, das dem Modell gegeben wird.</a:t>
-            </a:r>
-          </a:p>
-          <a:p>
-            <a:pPr defTabSz="912813">
-              <a:spcBef>
-                <a:spcPct val="50000"/>
-              </a:spcBef>
-            </a:pPr>
-            <a:r>
-              <a:rPr lang="de-CH" sz="3000" i="1" dirty="0"/>
-              <a:t>Rechts ist das saubere Referenz-Bild, das Ideale Resultat.</a:t>
-            </a:r>
-          </a:p>
-          <a:p>
-            <a:pPr defTabSz="912813">
-              <a:spcBef>
-                <a:spcPct val="50000"/>
-              </a:spcBef>
-            </a:pPr>
-            <a:r>
-              <a:rPr lang="de-CH" sz="3000" i="1" dirty="0"/>
-              <a:t>In der Mitte ist das </a:t>
-            </a:r>
-            <a:r>
-              <a:rPr lang="de-CH" sz="3000" i="1" dirty="0" err="1"/>
-              <a:t>entrauschte</a:t>
-            </a:r>
-            <a:r>
-              <a:rPr lang="de-CH" sz="3000" i="1" dirty="0"/>
-              <a:t> Bild, das durch das Modell erstellt wurde.</a:t>
-            </a:r>
-          </a:p>
-        </p:txBody>
-      </p:sp>
-      <p:pic>
-        <p:nvPicPr>
-          <p:cNvPr id="20" name="Grafik 19">
-            <a:extLst>
-              <a:ext uri="{FF2B5EF4-FFF2-40B4-BE49-F238E27FC236}">
-                <a16:creationId xmlns:a16="http://schemas.microsoft.com/office/drawing/2014/main" id="{4B67E17B-92DC-A956-AA23-1E846CFD4B8D}"/>
-              </a:ext>
-            </a:extLst>
-          </p:cNvPr>
-          <p:cNvPicPr>
-            <a:picLocks noChangeAspect="1"/>
-          </p:cNvPicPr>
-          <p:nvPr/>
-        </p:nvPicPr>
-        <p:blipFill>
-          <a:blip r:embed="rId5"/>
-          <a:stretch>
-            <a:fillRect/>
-          </a:stretch>
-        </p:blipFill>
-        <p:spPr>
-          <a:xfrm>
-            <a:off x="20356483" y="7192195"/>
-            <a:ext cx="8845847" cy="2948616"/>
-          </a:xfrm>
-          <a:prstGeom prst="rect">
-            <a:avLst/>
-          </a:prstGeom>
         </p:spPr>
       </p:pic>
     </p:spTree>
@@ -3476,15 +3435,28 @@
 </file>
 
 <file path=customXml/item1.xml><?xml version="1.0" encoding="utf-8"?>
-<?mso-contentType ?>
-<FormTemplates xmlns="http://schemas.microsoft.com/sharepoint/v3/contenttype/forms">
-  <Display>DocumentLibraryForm</Display>
-  <Edit>DocumentLibraryForm</Edit>
-  <New>DocumentLibraryForm</New>
-</FormTemplates>
+<p:properties xmlns:p="http://schemas.microsoft.com/office/2006/metadata/properties" xmlns:xsi="http://www.w3.org/2001/XMLSchema-instance" xmlns:pc="http://schemas.microsoft.com/office/infopath/2007/PartnerControls">
+  <documentManagement>
+    <BfhIntranetDepartmentText xmlns="63c724b1-652e-424f-8d99-4ee509067280">
+      <Terms xmlns="http://schemas.microsoft.com/office/infopath/2007/PartnerControls">
+        <TermInfo xmlns="http://schemas.microsoft.com/office/infopath/2007/PartnerControls">
+          <TermName xmlns="http://schemas.microsoft.com/office/infopath/2007/PartnerControls">Vorlage</TermName>
+          <TermId xmlns="http://schemas.microsoft.com/office/infopath/2007/PartnerControls">de1a6d3c-ac6a-4b34-8edd-308eb81066db</TermId>
+        </TermInfo>
+      </Terms>
+    </BfhIntranetDepartmentText>
+    <TaxCatchAll xmlns="2551ef7e-3b29-44d1-a8ad-ef34c26bfc60">
+      <Value>241</Value>
+    </TaxCatchAll>
+  </documentManagement>
+</p:properties>
 </file>
 
 <file path=customXml/item2.xml><?xml version="1.0" encoding="utf-8"?>
+<LongProperties xmlns="http://schemas.microsoft.com/office/2006/metadata/longProperties"/>
+</file>
+
+<file path=customXml/item3.xml><?xml version="1.0" encoding="utf-8"?>
 <ct:contentTypeSchema xmlns:ct="http://schemas.microsoft.com/office/2006/metadata/contentType" xmlns:ma="http://schemas.microsoft.com/office/2006/metadata/properties/metaAttributes" ct:_="" ma:_="" ma:contentTypeName="BFH Document" ma:contentTypeID="0x0101009127C3B567804923A8661E062BBD8EF500562C9D82744B284A86093F1D9B579BDC" ma:contentTypeVersion="2" ma:contentTypeDescription="Ein neues Dokument erstellen." ma:contentTypeScope="" ma:versionID="9c45b5bf27c78835ceac1d8ed0ad849b">
   <xsd:schema xmlns:xsd="http://www.w3.org/2001/XMLSchema" xmlns:xs="http://www.w3.org/2001/XMLSchema" xmlns:p="http://schemas.microsoft.com/office/2006/metadata/properties" xmlns:ns2="63c724b1-652e-424f-8d99-4ee509067280" xmlns:ns3="2551ef7e-3b29-44d1-a8ad-ef34c26bfc60" targetNamespace="http://schemas.microsoft.com/office/2006/metadata/properties" ma:root="true" ma:fieldsID="77ddedd9f4909d73cfb737d3d691d0f9" ns2:_="" ns3:_="">
     <xsd:import namespace="63c724b1-652e-424f-8d99-4ee509067280"/>
@@ -3629,37 +3601,41 @@
 </ct:contentTypeSchema>
 </file>
 
-<file path=customXml/item3.xml><?xml version="1.0" encoding="utf-8"?>
-<LongProperties xmlns="http://schemas.microsoft.com/office/2006/metadata/longProperties"/>
-</file>
-
 <file path=customXml/item4.xml><?xml version="1.0" encoding="utf-8"?>
-<p:properties xmlns:p="http://schemas.microsoft.com/office/2006/metadata/properties" xmlns:xsi="http://www.w3.org/2001/XMLSchema-instance" xmlns:pc="http://schemas.microsoft.com/office/infopath/2007/PartnerControls">
-  <documentManagement>
-    <BfhIntranetDepartmentText xmlns="63c724b1-652e-424f-8d99-4ee509067280">
-      <Terms xmlns="http://schemas.microsoft.com/office/infopath/2007/PartnerControls">
-        <TermInfo xmlns="http://schemas.microsoft.com/office/infopath/2007/PartnerControls">
-          <TermName xmlns="http://schemas.microsoft.com/office/infopath/2007/PartnerControls">Vorlage</TermName>
-          <TermId xmlns="http://schemas.microsoft.com/office/infopath/2007/PartnerControls">de1a6d3c-ac6a-4b34-8edd-308eb81066db</TermId>
-        </TermInfo>
-      </Terms>
-    </BfhIntranetDepartmentText>
-    <TaxCatchAll xmlns="2551ef7e-3b29-44d1-a8ad-ef34c26bfc60">
-      <Value>241</Value>
-    </TaxCatchAll>
-  </documentManagement>
-</p:properties>
+<?mso-contentType ?>
+<FormTemplates xmlns="http://schemas.microsoft.com/sharepoint/v3/contenttype/forms">
+  <Display>DocumentLibraryForm</Display>
+  <Edit>DocumentLibraryForm</Edit>
+  <New>DocumentLibraryForm</New>
+</FormTemplates>
 </file>
 
 <file path=customXml/itemProps1.xml><?xml version="1.0" encoding="utf-8"?>
-<ds:datastoreItem xmlns:ds="http://schemas.openxmlformats.org/officeDocument/2006/customXml" ds:itemID="{47870AFC-B140-4E73-B0E2-054A74E7EB25}">
+<ds:datastoreItem xmlns:ds="http://schemas.openxmlformats.org/officeDocument/2006/customXml" ds:itemID="{12310AE4-98C2-4A3E-BE75-5A8AB8823A32}">
   <ds:schemaRefs>
-    <ds:schemaRef ds:uri="http://schemas.microsoft.com/sharepoint/v3/contenttype/forms"/>
+    <ds:schemaRef ds:uri="63c724b1-652e-424f-8d99-4ee509067280"/>
+    <ds:schemaRef ds:uri="http://schemas.microsoft.com/office/2006/documentManagement/types"/>
+    <ds:schemaRef ds:uri="http://www.w3.org/XML/1998/namespace"/>
+    <ds:schemaRef ds:uri="http://schemas.microsoft.com/office/2006/metadata/properties"/>
+    <ds:schemaRef ds:uri="http://purl.org/dc/dcmitype/"/>
+    <ds:schemaRef ds:uri="2551ef7e-3b29-44d1-a8ad-ef34c26bfc60"/>
+    <ds:schemaRef ds:uri="http://purl.org/dc/terms/"/>
+    <ds:schemaRef ds:uri="http://schemas.openxmlformats.org/package/2006/metadata/core-properties"/>
+    <ds:schemaRef ds:uri="http://schemas.microsoft.com/office/infopath/2007/PartnerControls"/>
+    <ds:schemaRef ds:uri="http://purl.org/dc/elements/1.1/"/>
   </ds:schemaRefs>
 </ds:datastoreItem>
 </file>
 
 <file path=customXml/itemProps2.xml><?xml version="1.0" encoding="utf-8"?>
+<ds:datastoreItem xmlns:ds="http://schemas.openxmlformats.org/officeDocument/2006/customXml" ds:itemID="{34ACECAE-8DDC-4218-ADDE-80828E100BF5}">
+  <ds:schemaRefs>
+    <ds:schemaRef ds:uri="http://schemas.microsoft.com/office/2006/metadata/longProperties"/>
+  </ds:schemaRefs>
+</ds:datastoreItem>
+</file>
+
+<file path=customXml/itemProps3.xml><?xml version="1.0" encoding="utf-8"?>
 <ds:datastoreItem xmlns:ds="http://schemas.openxmlformats.org/officeDocument/2006/customXml" ds:itemID="{064F56C1-3E03-4158-81FF-45AFD11405FB}">
   <ds:schemaRefs>
     <ds:schemaRef ds:uri="http://schemas.microsoft.com/office/2006/metadata/contentType"/>
@@ -3678,27 +3654,10 @@
 </ds:datastoreItem>
 </file>
 
-<file path=customXml/itemProps3.xml><?xml version="1.0" encoding="utf-8"?>
-<ds:datastoreItem xmlns:ds="http://schemas.openxmlformats.org/officeDocument/2006/customXml" ds:itemID="{34ACECAE-8DDC-4218-ADDE-80828E100BF5}">
+<file path=customXml/itemProps4.xml><?xml version="1.0" encoding="utf-8"?>
+<ds:datastoreItem xmlns:ds="http://schemas.openxmlformats.org/officeDocument/2006/customXml" ds:itemID="{47870AFC-B140-4E73-B0E2-054A74E7EB25}">
   <ds:schemaRefs>
-    <ds:schemaRef ds:uri="http://schemas.microsoft.com/office/2006/metadata/longProperties"/>
-  </ds:schemaRefs>
-</ds:datastoreItem>
-</file>
-
-<file path=customXml/itemProps4.xml><?xml version="1.0" encoding="utf-8"?>
-<ds:datastoreItem xmlns:ds="http://schemas.openxmlformats.org/officeDocument/2006/customXml" ds:itemID="{12310AE4-98C2-4A3E-BE75-5A8AB8823A32}">
-  <ds:schemaRefs>
-    <ds:schemaRef ds:uri="http://www.w3.org/XML/1998/namespace"/>
-    <ds:schemaRef ds:uri="http://purl.org/dc/terms/"/>
-    <ds:schemaRef ds:uri="http://schemas.microsoft.com/office/infopath/2007/PartnerControls"/>
-    <ds:schemaRef ds:uri="http://schemas.microsoft.com/office/2006/metadata/properties"/>
-    <ds:schemaRef ds:uri="http://purl.org/dc/elements/1.1/"/>
-    <ds:schemaRef ds:uri="http://schemas.openxmlformats.org/package/2006/metadata/core-properties"/>
-    <ds:schemaRef ds:uri="http://schemas.microsoft.com/office/2006/documentManagement/types"/>
-    <ds:schemaRef ds:uri="2551ef7e-3b29-44d1-a8ad-ef34c26bfc60"/>
-    <ds:schemaRef ds:uri="63c724b1-652e-424f-8d99-4ee509067280"/>
-    <ds:schemaRef ds:uri="http://purl.org/dc/dcmitype/"/>
+    <ds:schemaRef ds:uri="http://schemas.microsoft.com/sharepoint/v3/contenttype/forms"/>
   </ds:schemaRefs>
 </ds:datastoreItem>
 </file>